--- a/青年聖歌I/(青年聖歌I128)事奉耶穌蒙福.pptx
+++ b/青年聖歌I/(青年聖歌I128)事奉耶穌蒙福.pptx
@@ -5,10 +5,15 @@
     <p:sldMasterId id="2147483672" r:id="rId1"/>
   </p:sldMasterIdLst>
   <p:sldIdLst>
-    <p:sldId id="256" r:id="rId2"/>
-    <p:sldId id="260" r:id="rId3"/>
-    <p:sldId id="258" r:id="rId4"/>
-    <p:sldId id="259" r:id="rId5"/>
+    <p:sldId id="261" r:id="rId2"/>
+    <p:sldId id="262" r:id="rId3"/>
+    <p:sldId id="263" r:id="rId4"/>
+    <p:sldId id="264" r:id="rId5"/>
+    <p:sldId id="265" r:id="rId6"/>
+    <p:sldId id="266" r:id="rId7"/>
+    <p:sldId id="267" r:id="rId8"/>
+    <p:sldId id="268" r:id="rId9"/>
+    <p:sldId id="269" r:id="rId10"/>
   </p:sldIdLst>
   <p:sldSz cx="12192000" cy="6858000"/>
   <p:notesSz cx="6858000" cy="9144000"/>
@@ -307,7 +312,7 @@
           <a:p>
             <a:fld id="{492C4EBD-EE18-41F0-8279-83C4266C070D}" type="datetimeFigureOut">
               <a:rPr lang="zh-TW" altLang="en-US" smtClean="0"/>
-              <a:t>2020/5/1</a:t>
+              <a:t>2022/3/11</a:t>
             </a:fld>
             <a:endParaRPr lang="zh-TW" altLang="en-US"/>
           </a:p>
@@ -477,7 +482,7 @@
           <a:p>
             <a:fld id="{492C4EBD-EE18-41F0-8279-83C4266C070D}" type="datetimeFigureOut">
               <a:rPr lang="zh-TW" altLang="en-US" smtClean="0"/>
-              <a:t>2020/5/1</a:t>
+              <a:t>2022/3/11</a:t>
             </a:fld>
             <a:endParaRPr lang="zh-TW" altLang="en-US"/>
           </a:p>
@@ -657,7 +662,7 @@
           <a:p>
             <a:fld id="{492C4EBD-EE18-41F0-8279-83C4266C070D}" type="datetimeFigureOut">
               <a:rPr lang="zh-TW" altLang="en-US" smtClean="0"/>
-              <a:t>2020/5/1</a:t>
+              <a:t>2022/3/11</a:t>
             </a:fld>
             <a:endParaRPr lang="zh-TW" altLang="en-US"/>
           </a:p>
@@ -827,7 +832,7 @@
           <a:p>
             <a:fld id="{492C4EBD-EE18-41F0-8279-83C4266C070D}" type="datetimeFigureOut">
               <a:rPr lang="zh-TW" altLang="en-US" smtClean="0"/>
-              <a:t>2020/5/1</a:t>
+              <a:t>2022/3/11</a:t>
             </a:fld>
             <a:endParaRPr lang="zh-TW" altLang="en-US"/>
           </a:p>
@@ -1073,7 +1078,7 @@
           <a:p>
             <a:fld id="{492C4EBD-EE18-41F0-8279-83C4266C070D}" type="datetimeFigureOut">
               <a:rPr lang="zh-TW" altLang="en-US" smtClean="0"/>
-              <a:t>2020/5/1</a:t>
+              <a:t>2022/3/11</a:t>
             </a:fld>
             <a:endParaRPr lang="zh-TW" altLang="en-US"/>
           </a:p>
@@ -1361,7 +1366,7 @@
           <a:p>
             <a:fld id="{492C4EBD-EE18-41F0-8279-83C4266C070D}" type="datetimeFigureOut">
               <a:rPr lang="zh-TW" altLang="en-US" smtClean="0"/>
-              <a:t>2020/5/1</a:t>
+              <a:t>2022/3/11</a:t>
             </a:fld>
             <a:endParaRPr lang="zh-TW" altLang="en-US"/>
           </a:p>
@@ -1783,7 +1788,7 @@
           <a:p>
             <a:fld id="{492C4EBD-EE18-41F0-8279-83C4266C070D}" type="datetimeFigureOut">
               <a:rPr lang="zh-TW" altLang="en-US" smtClean="0"/>
-              <a:t>2020/5/1</a:t>
+              <a:t>2022/3/11</a:t>
             </a:fld>
             <a:endParaRPr lang="zh-TW" altLang="en-US"/>
           </a:p>
@@ -1901,7 +1906,7 @@
           <a:p>
             <a:fld id="{492C4EBD-EE18-41F0-8279-83C4266C070D}" type="datetimeFigureOut">
               <a:rPr lang="zh-TW" altLang="en-US" smtClean="0"/>
-              <a:t>2020/5/1</a:t>
+              <a:t>2022/3/11</a:t>
             </a:fld>
             <a:endParaRPr lang="zh-TW" altLang="en-US"/>
           </a:p>
@@ -1996,7 +2001,7 @@
           <a:p>
             <a:fld id="{492C4EBD-EE18-41F0-8279-83C4266C070D}" type="datetimeFigureOut">
               <a:rPr lang="zh-TW" altLang="en-US" smtClean="0"/>
-              <a:t>2020/5/1</a:t>
+              <a:t>2022/3/11</a:t>
             </a:fld>
             <a:endParaRPr lang="zh-TW" altLang="en-US"/>
           </a:p>
@@ -2273,7 +2278,7 @@
           <a:p>
             <a:fld id="{492C4EBD-EE18-41F0-8279-83C4266C070D}" type="datetimeFigureOut">
               <a:rPr lang="zh-TW" altLang="en-US" smtClean="0"/>
-              <a:t>2020/5/1</a:t>
+              <a:t>2022/3/11</a:t>
             </a:fld>
             <a:endParaRPr lang="zh-TW" altLang="en-US"/>
           </a:p>
@@ -2530,7 +2535,7 @@
           <a:p>
             <a:fld id="{492C4EBD-EE18-41F0-8279-83C4266C070D}" type="datetimeFigureOut">
               <a:rPr lang="zh-TW" altLang="en-US" smtClean="0"/>
-              <a:t>2020/5/1</a:t>
+              <a:t>2022/3/11</a:t>
             </a:fld>
             <a:endParaRPr lang="zh-TW" altLang="en-US"/>
           </a:p>
@@ -2748,7 +2753,7 @@
           <a:p>
             <a:fld id="{492C4EBD-EE18-41F0-8279-83C4266C070D}" type="datetimeFigureOut">
               <a:rPr lang="zh-TW" altLang="en-US" smtClean="0"/>
-              <a:t>2020/5/1</a:t>
+              <a:t>2022/3/11</a:t>
             </a:fld>
             <a:endParaRPr lang="zh-TW" altLang="en-US"/>
           </a:p>
@@ -3125,149 +3130,178 @@
       </p:grpSpPr>
       <p:sp>
         <p:nvSpPr>
-          <p:cNvPr id="6" name="標題 5"/>
+          <p:cNvPr id="4" name="標題 3"/>
           <p:cNvSpPr>
             <a:spLocks noGrp="1"/>
           </p:cNvSpPr>
           <p:nvPr>
             <p:ph type="title"/>
-          </p:nvPr>
-        </p:nvSpPr>
-        <p:spPr/>
-        <p:txBody>
-          <a:bodyPr>
-            <a:normAutofit/>
-          </a:bodyPr>
-          <a:lstStyle/>
-          <a:p>
-            <a:r>
-              <a:rPr lang="zh-TW" altLang="en-US" sz="4800" b="1" dirty="0">
-                <a:latin typeface="Microsoft JhengHei" panose="020B0604030504040204" pitchFamily="34" charset="-120"/>
-                <a:ea typeface="Microsoft JhengHei" panose="020B0604030504040204" pitchFamily="34" charset="-120"/>
-              </a:rPr>
-              <a:t>事奉耶穌蒙福</a:t>
-            </a:r>
-          </a:p>
-        </p:txBody>
-      </p:sp>
-      <p:sp>
-        <p:nvSpPr>
-          <p:cNvPr id="7" name="內容版面配置區 6"/>
-          <p:cNvSpPr>
-            <a:spLocks noGrp="1"/>
-          </p:cNvSpPr>
-          <p:nvPr>
-            <p:ph idx="1"/>
           </p:nvPr>
         </p:nvSpPr>
         <p:spPr>
           <a:xfrm>
-            <a:off x="1524000" y="1600200"/>
-            <a:ext cx="9144000" cy="5257800"/>
+            <a:off x="0" y="2756925"/>
+            <a:ext cx="12192000" cy="1143000"/>
           </a:xfrm>
         </p:spPr>
         <p:txBody>
           <a:bodyPr>
-            <a:normAutofit/>
+            <a:noAutofit/>
           </a:bodyPr>
           <a:lstStyle/>
           <a:p>
-            <a:pPr algn="ctr">
-              <a:buNone/>
-            </a:pPr>
-            <a:r>
-              <a:rPr lang="zh-TW" altLang="en-US" sz="5400" b="1" dirty="0">
-                <a:latin typeface="Microsoft JhengHei" panose="020B0604030504040204" pitchFamily="34" charset="-120"/>
-                <a:ea typeface="Microsoft JhengHei" panose="020B0604030504040204" pitchFamily="34" charset="-120"/>
+            <a:r>
+              <a:rPr lang="zh-CN" altLang="en-US" sz="5333" b="1" u="sng" dirty="0" smtClean="0">
+                <a:solidFill>
+                  <a:srgbClr val="660033"/>
+                </a:solidFill>
+                <a:effectLst>
+                  <a:outerShdw blurRad="38100" dist="38100" dir="2700000" algn="tl">
+                    <a:srgbClr val="000000">
+                      <a:alpha val="43137"/>
+                    </a:srgbClr>
+                  </a:outerShdw>
+                </a:effectLst>
+                <a:latin typeface="微軟正黑體" pitchFamily="34" charset="-120"/>
+                <a:ea typeface="微軟正黑體" pitchFamily="34" charset="-120"/>
               </a:rPr>
-              <a:t>事奉耶穌得真快樂心滿足</a:t>
-            </a:r>
-            <a:endParaRPr lang="en-US" altLang="zh-TW" sz="5400" b="1" dirty="0">
-              <a:latin typeface="Microsoft JhengHei" panose="020B0604030504040204" pitchFamily="34" charset="-120"/>
-              <a:ea typeface="Microsoft JhengHei" panose="020B0604030504040204" pitchFamily="34" charset="-120"/>
+              <a:t>青年聖歌</a:t>
+            </a:r>
+            <a:r>
+              <a:rPr lang="en-US" altLang="zh-CN" sz="5333" b="1" u="sng" dirty="0" smtClean="0">
+                <a:solidFill>
+                  <a:srgbClr val="660033"/>
+                </a:solidFill>
+                <a:effectLst>
+                  <a:outerShdw blurRad="38100" dist="38100" dir="2700000" algn="tl">
+                    <a:srgbClr val="000000">
+                      <a:alpha val="43137"/>
+                    </a:srgbClr>
+                  </a:outerShdw>
+                </a:effectLst>
+                <a:latin typeface="微軟正黑體" pitchFamily="34" charset="-120"/>
+                <a:ea typeface="微軟正黑體" pitchFamily="34" charset="-120"/>
+              </a:rPr>
+              <a:t> I</a:t>
+            </a:r>
+            <a:r>
+              <a:rPr lang="zh-CN" altLang="en-US" sz="5333" b="1" u="sng" dirty="0" smtClean="0">
+                <a:solidFill>
+                  <a:srgbClr val="660033"/>
+                </a:solidFill>
+                <a:effectLst>
+                  <a:outerShdw blurRad="38100" dist="38100" dir="2700000" algn="tl">
+                    <a:srgbClr val="000000">
+                      <a:alpha val="43137"/>
+                    </a:srgbClr>
+                  </a:outerShdw>
+                </a:effectLst>
+                <a:latin typeface="微軟正黑體" pitchFamily="34" charset="-120"/>
+                <a:ea typeface="微軟正黑體" pitchFamily="34" charset="-120"/>
+              </a:rPr>
+              <a:t> </a:t>
+            </a:r>
+            <a:r>
+              <a:rPr lang="en-US" altLang="zh-CN" sz="5333" b="1" u="sng" dirty="0" smtClean="0">
+                <a:solidFill>
+                  <a:srgbClr val="660033"/>
+                </a:solidFill>
+                <a:effectLst>
+                  <a:outerShdw blurRad="38100" dist="38100" dir="2700000" algn="tl">
+                    <a:srgbClr val="000000">
+                      <a:alpha val="43137"/>
+                    </a:srgbClr>
+                  </a:outerShdw>
+                </a:effectLst>
+                <a:latin typeface="微軟正黑體" pitchFamily="34" charset="-120"/>
+                <a:ea typeface="微軟正黑體" pitchFamily="34" charset="-120"/>
+              </a:rPr>
+              <a:t>128</a:t>
+            </a:r>
+            <a:r>
+              <a:rPr lang="en-US" altLang="zh-CN" sz="7200" b="1" i="1" dirty="0">
+                <a:solidFill>
+                  <a:schemeClr val="bg1"/>
+                </a:solidFill>
+                <a:effectLst>
+                  <a:outerShdw blurRad="38100" dist="38100" dir="2700000" algn="tl">
+                    <a:srgbClr val="000000">
+                      <a:alpha val="43137"/>
+                    </a:srgbClr>
+                  </a:outerShdw>
+                </a:effectLst>
+                <a:latin typeface="微軟正黑體" pitchFamily="34" charset="-120"/>
+                <a:ea typeface="微軟正黑體" pitchFamily="34" charset="-120"/>
+              </a:rPr>
+              <a:t/>
+            </a:r>
+            <a:br>
+              <a:rPr lang="en-US" altLang="zh-CN" sz="7200" b="1" i="1" dirty="0">
+                <a:solidFill>
+                  <a:schemeClr val="bg1"/>
+                </a:solidFill>
+                <a:effectLst>
+                  <a:outerShdw blurRad="38100" dist="38100" dir="2700000" algn="tl">
+                    <a:srgbClr val="000000">
+                      <a:alpha val="43137"/>
+                    </a:srgbClr>
+                  </a:outerShdw>
+                </a:effectLst>
+                <a:latin typeface="微軟正黑體" pitchFamily="34" charset="-120"/>
+                <a:ea typeface="微軟正黑體" pitchFamily="34" charset="-120"/>
+              </a:rPr>
+            </a:br>
+            <a:r>
+              <a:rPr lang="zh-CN" altLang="en-US" sz="8000" b="1" dirty="0">
+                <a:solidFill>
+                  <a:srgbClr val="000066"/>
+                </a:solidFill>
+                <a:effectLst>
+                  <a:outerShdw blurRad="38100" dist="38100" dir="2700000" algn="tl">
+                    <a:srgbClr val="000000">
+                      <a:alpha val="43137"/>
+                    </a:srgbClr>
+                  </a:outerShdw>
+                </a:effectLst>
+                <a:latin typeface="微軟正黑體" pitchFamily="34" charset="-120"/>
+                <a:ea typeface="微軟正黑體" pitchFamily="34" charset="-120"/>
+              </a:rPr>
+              <a:t>完全奉獻</a:t>
+            </a:r>
+            <a:endParaRPr lang="zh-TW" altLang="en-US" sz="8000" b="1" dirty="0">
+              <a:solidFill>
+                <a:srgbClr val="000066"/>
+              </a:solidFill>
+              <a:effectLst>
+                <a:outerShdw blurRad="38100" dist="38100" dir="2700000" algn="tl">
+                  <a:srgbClr val="000000">
+                    <a:alpha val="43137"/>
+                  </a:srgbClr>
+                </a:outerShdw>
+              </a:effectLst>
+              <a:latin typeface="微軟正黑體" pitchFamily="34" charset="-120"/>
+              <a:ea typeface="微軟正黑體" pitchFamily="34" charset="-120"/>
             </a:endParaRPr>
           </a:p>
-          <a:p>
-            <a:pPr algn="ctr">
-              <a:buNone/>
-            </a:pPr>
-            <a:r>
-              <a:rPr lang="zh-TW" altLang="en-US" sz="5400" b="1" dirty="0">
-                <a:latin typeface="Microsoft JhengHei" panose="020B0604030504040204" pitchFamily="34" charset="-120"/>
-                <a:ea typeface="Microsoft JhengHei" panose="020B0604030504040204" pitchFamily="34" charset="-120"/>
-              </a:rPr>
-              <a:t>主裡的喜樂純一不庸俗</a:t>
-            </a:r>
-            <a:endParaRPr lang="en-US" altLang="zh-TW" sz="5400" b="1" dirty="0">
-              <a:latin typeface="Microsoft JhengHei" panose="020B0604030504040204" pitchFamily="34" charset="-120"/>
-              <a:ea typeface="Microsoft JhengHei" panose="020B0604030504040204" pitchFamily="34" charset="-120"/>
-            </a:endParaRPr>
-          </a:p>
-          <a:p>
-            <a:pPr algn="ctr">
-              <a:buNone/>
-            </a:pPr>
-            <a:r>
-              <a:rPr lang="zh-TW" altLang="en-US" sz="5400" b="1" dirty="0">
-                <a:latin typeface="Microsoft JhengHei" panose="020B0604030504040204" pitchFamily="34" charset="-120"/>
-                <a:ea typeface="Microsoft JhengHei" panose="020B0604030504040204" pitchFamily="34" charset="-120"/>
-              </a:rPr>
-              <a:t>倚靠相信主應許就是天堂</a:t>
-            </a:r>
-            <a:endParaRPr lang="en-US" altLang="zh-TW" sz="5400" b="1" dirty="0">
-              <a:latin typeface="Microsoft JhengHei" panose="020B0604030504040204" pitchFamily="34" charset="-120"/>
-              <a:ea typeface="Microsoft JhengHei" panose="020B0604030504040204" pitchFamily="34" charset="-120"/>
-            </a:endParaRPr>
-          </a:p>
-          <a:p>
-            <a:pPr algn="ctr">
-              <a:buNone/>
-            </a:pPr>
-            <a:r>
-              <a:rPr lang="zh-TW" altLang="en-US" sz="5400" b="1" dirty="0">
-                <a:latin typeface="Microsoft JhengHei" panose="020B0604030504040204" pitchFamily="34" charset="-120"/>
-                <a:ea typeface="Microsoft JhengHei" panose="020B0604030504040204" pitchFamily="34" charset="-120"/>
-              </a:rPr>
-              <a:t>天天事奉主必蒙福</a:t>
-            </a:r>
-          </a:p>
-        </p:txBody>
-      </p:sp>
-      <p:sp>
-        <p:nvSpPr>
-          <p:cNvPr id="2" name="TextBox 1"/>
-          <p:cNvSpPr txBox="1"/>
-          <p:nvPr/>
-        </p:nvSpPr>
-        <p:spPr>
-          <a:xfrm>
-            <a:off x="609600" y="1600200"/>
-            <a:ext cx="864096" cy="1015663"/>
-          </a:xfrm>
-          <a:prstGeom prst="rect">
-            <a:avLst/>
-          </a:prstGeom>
-          <a:noFill/>
-        </p:spPr>
-        <p:txBody>
-          <a:bodyPr wrap="square" rtlCol="0">
-            <a:spAutoFit/>
-          </a:bodyPr>
-          <a:lstStyle/>
-          <a:p>
-            <a:r>
-              <a:rPr lang="en-US" sz="6000" b="1" dirty="0" smtClean="0"/>
-              <a:t>1.</a:t>
-            </a:r>
-            <a:endParaRPr lang="vi-VN" sz="6000" b="1" dirty="0"/>
-          </a:p>
         </p:txBody>
       </p:sp>
     </p:spTree>
+    <p:extLst>
+      <p:ext uri="{BB962C8B-B14F-4D97-AF65-F5344CB8AC3E}">
+        <p14:creationId xmlns:p14="http://schemas.microsoft.com/office/powerpoint/2010/main" val="1005524289"/>
+      </p:ext>
+    </p:extLst>
   </p:cSld>
   <p:clrMapOvr>
     <a:masterClrMapping/>
   </p:clrMapOvr>
+  <p:timing>
+    <p:tnLst>
+      <p:par>
+        <p:cTn id="1" dur="indefinite" restart="never" nodeType="tmRoot"/>
+      </p:par>
+    </p:tnLst>
+  </p:timing>
 </p:sld>
 </file>
 
@@ -3290,119 +3324,130 @@
       </p:grpSpPr>
       <p:sp>
         <p:nvSpPr>
-          <p:cNvPr id="6" name="標題 5"/>
-          <p:cNvSpPr>
-            <a:spLocks noGrp="1"/>
-          </p:cNvSpPr>
-          <p:nvPr>
-            <p:ph type="title"/>
-          </p:nvPr>
-        </p:nvSpPr>
-        <p:spPr/>
-        <p:txBody>
-          <a:bodyPr>
+          <p:cNvPr id="5" name="內容版面配置區 4"/>
+          <p:cNvSpPr>
+            <a:spLocks noGrp="1"/>
+          </p:cNvSpPr>
+          <p:nvPr>
+            <p:ph idx="1"/>
+          </p:nvPr>
+        </p:nvSpPr>
+        <p:spPr>
+          <a:xfrm>
+            <a:off x="0" y="2084853"/>
+            <a:ext cx="12192000" cy="2404863"/>
+          </a:xfrm>
+        </p:spPr>
+        <p:txBody>
+          <a:bodyPr anchor="ctr">
             <a:normAutofit/>
           </a:bodyPr>
           <a:lstStyle/>
           <a:p>
-            <a:r>
-              <a:rPr lang="zh-TW" altLang="en-US" sz="4800" b="1" dirty="0">
+            <a:pPr algn="ctr">
+              <a:buNone/>
+            </a:pPr>
+            <a:r>
+              <a:rPr lang="zh-TW" altLang="en-US" sz="6400" b="1" dirty="0">
+                <a:solidFill>
+                  <a:srgbClr val="000066"/>
+                </a:solidFill>
                 <a:latin typeface="Microsoft JhengHei" panose="020B0604030504040204" pitchFamily="34" charset="-120"/>
                 <a:ea typeface="Microsoft JhengHei" panose="020B0604030504040204" pitchFamily="34" charset="-120"/>
               </a:rPr>
-              <a:t>事奉耶穌蒙福</a:t>
-            </a:r>
-          </a:p>
-        </p:txBody>
-      </p:sp>
-      <p:sp>
-        <p:nvSpPr>
-          <p:cNvPr id="7" name="內容版面配置區 6"/>
-          <p:cNvSpPr>
-            <a:spLocks noGrp="1"/>
-          </p:cNvSpPr>
-          <p:nvPr>
-            <p:ph idx="1"/>
-          </p:nvPr>
-        </p:nvSpPr>
-        <p:spPr>
-          <a:xfrm>
-            <a:off x="1524000" y="1600200"/>
-            <a:ext cx="9144000" cy="5257800"/>
-          </a:xfrm>
-        </p:spPr>
-        <p:txBody>
-          <a:bodyPr>
-            <a:normAutofit/>
-          </a:bodyPr>
-          <a:lstStyle/>
+              <a:t>事奉耶穌得真快樂心滿足</a:t>
+            </a:r>
+            <a:endParaRPr lang="en-US" altLang="zh-TW" sz="6400" b="1" dirty="0">
+              <a:solidFill>
+                <a:srgbClr val="000066"/>
+              </a:solidFill>
+              <a:latin typeface="Microsoft JhengHei" panose="020B0604030504040204" pitchFamily="34" charset="-120"/>
+              <a:ea typeface="Microsoft JhengHei" panose="020B0604030504040204" pitchFamily="34" charset="-120"/>
+            </a:endParaRPr>
+          </a:p>
           <a:p>
             <a:pPr algn="ctr">
               <a:buNone/>
             </a:pPr>
             <a:r>
-              <a:rPr lang="zh-TW" altLang="en-US" sz="5400" b="1" dirty="0">
+              <a:rPr lang="zh-TW" altLang="en-US" sz="6400" b="1" dirty="0">
+                <a:solidFill>
+                  <a:srgbClr val="000066"/>
+                </a:solidFill>
                 <a:latin typeface="Microsoft JhengHei" panose="020B0604030504040204" pitchFamily="34" charset="-120"/>
                 <a:ea typeface="Microsoft JhengHei" panose="020B0604030504040204" pitchFamily="34" charset="-120"/>
               </a:rPr>
-              <a:t>事奉耶穌蒙福每日都蒙福</a:t>
-            </a:r>
-            <a:endParaRPr lang="en-US" altLang="zh-TW" sz="5400" b="1" dirty="0">
-              <a:latin typeface="Microsoft JhengHei" panose="020B0604030504040204" pitchFamily="34" charset="-120"/>
-              <a:ea typeface="Microsoft JhengHei" panose="020B0604030504040204" pitchFamily="34" charset="-120"/>
+              <a:t>主裡的喜樂純一不庸俗</a:t>
+            </a:r>
+            <a:endParaRPr lang="zh-TW" altLang="en-US" sz="6400" b="1" dirty="0">
+              <a:solidFill>
+                <a:srgbClr val="000066"/>
+              </a:solidFill>
+              <a:effectLst/>
+              <a:latin typeface="Microsoft JhengHei" pitchFamily="34" charset="-120"/>
+              <a:ea typeface="Microsoft JhengHei" pitchFamily="34" charset="-120"/>
             </a:endParaRPr>
           </a:p>
-          <a:p>
-            <a:pPr algn="ctr">
-              <a:buNone/>
-            </a:pPr>
-            <a:r>
-              <a:rPr lang="zh-TW" altLang="en-US" sz="5400" b="1" dirty="0">
-                <a:latin typeface="Microsoft JhengHei" panose="020B0604030504040204" pitchFamily="34" charset="-120"/>
-                <a:ea typeface="Microsoft JhengHei" panose="020B0604030504040204" pitchFamily="34" charset="-120"/>
+        </p:txBody>
+      </p:sp>
+      <p:sp>
+        <p:nvSpPr>
+          <p:cNvPr id="3" name="TextBox 2"/>
+          <p:cNvSpPr txBox="1"/>
+          <p:nvPr/>
+        </p:nvSpPr>
+        <p:spPr>
+          <a:xfrm>
+            <a:off x="0" y="5061183"/>
+            <a:ext cx="12192000" cy="830997"/>
+          </a:xfrm>
+          <a:prstGeom prst="rect">
+            <a:avLst/>
+          </a:prstGeom>
+          <a:noFill/>
+        </p:spPr>
+        <p:txBody>
+          <a:bodyPr wrap="square" rtlCol="0">
+            <a:spAutoFit/>
+          </a:bodyPr>
+          <a:lstStyle/>
+          <a:p>
+            <a:pPr algn="ctr"/>
+            <a:r>
+              <a:rPr lang="en-US" sz="4800" b="1" dirty="0">
+                <a:solidFill>
+                  <a:srgbClr val="000066"/>
+                </a:solidFill>
+                <a:effectLst/>
               </a:rPr>
-              <a:t>在世每一步都蒙福</a:t>
-            </a:r>
-            <a:endParaRPr lang="en-US" altLang="zh-TW" sz="5400" b="1" dirty="0">
-              <a:latin typeface="Microsoft JhengHei" panose="020B0604030504040204" pitchFamily="34" charset="-120"/>
-              <a:ea typeface="Microsoft JhengHei" panose="020B0604030504040204" pitchFamily="34" charset="-120"/>
+              <a:t>( 1 )</a:t>
+            </a:r>
+            <a:endParaRPr lang="vi-VN" sz="4800" b="1" dirty="0">
+              <a:solidFill>
+                <a:srgbClr val="000066"/>
+              </a:solidFill>
+              <a:effectLst/>
             </a:endParaRPr>
           </a:p>
-          <a:p>
-            <a:pPr algn="ctr">
-              <a:buNone/>
-            </a:pPr>
-            <a:r>
-              <a:rPr lang="zh-TW" altLang="en-US" sz="5400" b="1" dirty="0">
-                <a:latin typeface="Microsoft JhengHei" panose="020B0604030504040204" pitchFamily="34" charset="-120"/>
-                <a:ea typeface="Microsoft JhengHei" panose="020B0604030504040204" pitchFamily="34" charset="-120"/>
-              </a:rPr>
-              <a:t>有時走天堂窄路或會有淒楚</a:t>
-            </a:r>
-            <a:endParaRPr lang="en-US" altLang="zh-TW" sz="5400" b="1" dirty="0">
-              <a:latin typeface="Microsoft JhengHei" panose="020B0604030504040204" pitchFamily="34" charset="-120"/>
-              <a:ea typeface="Microsoft JhengHei" panose="020B0604030504040204" pitchFamily="34" charset="-120"/>
-            </a:endParaRPr>
-          </a:p>
-          <a:p>
-            <a:pPr algn="ctr">
-              <a:buNone/>
-            </a:pPr>
-            <a:r>
-              <a:rPr lang="zh-TW" altLang="en-US" sz="5400" b="1" dirty="0">
-                <a:latin typeface="Microsoft JhengHei" panose="020B0604030504040204" pitchFamily="34" charset="-120"/>
-                <a:ea typeface="Microsoft JhengHei" panose="020B0604030504040204" pitchFamily="34" charset="-120"/>
-              </a:rPr>
-              <a:t>你在主裡一路必蒙福</a:t>
-            </a:r>
-          </a:p>
         </p:txBody>
       </p:sp>
     </p:spTree>
+    <p:extLst>
+      <p:ext uri="{BB962C8B-B14F-4D97-AF65-F5344CB8AC3E}">
+        <p14:creationId xmlns:p14="http://schemas.microsoft.com/office/powerpoint/2010/main" val="2781484949"/>
+      </p:ext>
+    </p:extLst>
   </p:cSld>
   <p:clrMapOvr>
     <a:masterClrMapping/>
   </p:clrMapOvr>
+  <p:timing>
+    <p:tnLst>
+      <p:par>
+        <p:cTn id="1" dur="indefinite" restart="never" nodeType="tmRoot"/>
+      </p:par>
+    </p:tnLst>
+  </p:timing>
 </p:sld>
 </file>
 
@@ -3425,64 +3470,43 @@
       </p:grpSpPr>
       <p:sp>
         <p:nvSpPr>
-          <p:cNvPr id="6" name="標題 5"/>
-          <p:cNvSpPr>
-            <a:spLocks noGrp="1"/>
-          </p:cNvSpPr>
-          <p:nvPr>
-            <p:ph type="title"/>
-          </p:nvPr>
-        </p:nvSpPr>
-        <p:spPr/>
-        <p:txBody>
-          <a:bodyPr>
+          <p:cNvPr id="5" name="內容版面配置區 4"/>
+          <p:cNvSpPr>
+            <a:spLocks noGrp="1"/>
+          </p:cNvSpPr>
+          <p:nvPr>
+            <p:ph idx="1"/>
+          </p:nvPr>
+        </p:nvSpPr>
+        <p:spPr>
+          <a:xfrm>
+            <a:off x="0" y="2084853"/>
+            <a:ext cx="12192000" cy="2404863"/>
+          </a:xfrm>
+        </p:spPr>
+        <p:txBody>
+          <a:bodyPr anchor="ctr">
             <a:normAutofit/>
           </a:bodyPr>
           <a:lstStyle/>
           <a:p>
-            <a:r>
-              <a:rPr lang="zh-TW" altLang="en-US" sz="4800" b="1" dirty="0">
+            <a:pPr algn="ctr">
+              <a:buNone/>
+            </a:pPr>
+            <a:r>
+              <a:rPr lang="zh-TW" altLang="en-US" sz="6400" b="1" dirty="0">
+                <a:solidFill>
+                  <a:srgbClr val="000066"/>
+                </a:solidFill>
                 <a:latin typeface="Microsoft JhengHei" panose="020B0604030504040204" pitchFamily="34" charset="-120"/>
                 <a:ea typeface="Microsoft JhengHei" panose="020B0604030504040204" pitchFamily="34" charset="-120"/>
               </a:rPr>
-              <a:t>事奉耶穌蒙福</a:t>
-            </a:r>
-          </a:p>
-        </p:txBody>
-      </p:sp>
-      <p:sp>
-        <p:nvSpPr>
-          <p:cNvPr id="7" name="內容版面配置區 6"/>
-          <p:cNvSpPr>
-            <a:spLocks noGrp="1"/>
-          </p:cNvSpPr>
-          <p:nvPr>
-            <p:ph idx="1"/>
-          </p:nvPr>
-        </p:nvSpPr>
-        <p:spPr>
-          <a:xfrm>
-            <a:off x="1524000" y="1600200"/>
-            <a:ext cx="9144000" cy="5257800"/>
-          </a:xfrm>
-        </p:spPr>
-        <p:txBody>
-          <a:bodyPr>
-            <a:normAutofit/>
-          </a:bodyPr>
-          <a:lstStyle/>
-          <a:p>
-            <a:pPr algn="ctr">
-              <a:buNone/>
-            </a:pPr>
-            <a:r>
-              <a:rPr lang="zh-TW" altLang="en-US" sz="5400" b="1" dirty="0">
-                <a:latin typeface="Microsoft JhengHei" panose="020B0604030504040204" pitchFamily="34" charset="-120"/>
-                <a:ea typeface="Microsoft JhengHei" panose="020B0604030504040204" pitchFamily="34" charset="-120"/>
-              </a:rPr>
-              <a:t>無論遇何事服事主總蒙福</a:t>
-            </a:r>
-            <a:endParaRPr lang="en-US" altLang="zh-TW" sz="5400" b="1" dirty="0">
+              <a:t>倚靠相信主應許就是天堂</a:t>
+            </a:r>
+            <a:endParaRPr lang="en-US" altLang="zh-TW" sz="6400" b="1" dirty="0">
+              <a:solidFill>
+                <a:srgbClr val="000066"/>
+              </a:solidFill>
               <a:latin typeface="Microsoft JhengHei" panose="020B0604030504040204" pitchFamily="34" charset="-120"/>
               <a:ea typeface="Microsoft JhengHei" panose="020B0604030504040204" pitchFamily="34" charset="-120"/>
             </a:endParaRPr>
@@ -3492,57 +3516,35 @@
               <a:buNone/>
             </a:pPr>
             <a:r>
-              <a:rPr lang="zh-TW" altLang="en-US" sz="5400" b="1" dirty="0">
-                <a:latin typeface="Microsoft JhengHei" panose="020B0604030504040204" pitchFamily="34" charset="-120"/>
-                <a:ea typeface="Microsoft JhengHei" panose="020B0604030504040204" pitchFamily="34" charset="-120"/>
-              </a:rPr>
-              <a:t>無論作何事忠心便蒙福</a:t>
-            </a:r>
-            <a:endParaRPr lang="en-US" altLang="zh-TW" sz="5400" b="1" dirty="0">
-              <a:latin typeface="Microsoft JhengHei" panose="020B0604030504040204" pitchFamily="34" charset="-120"/>
-              <a:ea typeface="Microsoft JhengHei" panose="020B0604030504040204" pitchFamily="34" charset="-120"/>
-            </a:endParaRPr>
-          </a:p>
-          <a:p>
-            <a:pPr algn="ctr">
-              <a:buNone/>
-            </a:pPr>
-            <a:r>
-              <a:rPr lang="zh-TW" altLang="en-US" sz="5400" b="1" dirty="0">
-                <a:latin typeface="Microsoft JhengHei" panose="020B0604030504040204" pitchFamily="34" charset="-120"/>
-                <a:ea typeface="Microsoft JhengHei" panose="020B0604030504040204" pitchFamily="34" charset="-120"/>
-              </a:rPr>
-              <a:t>住在主裡就有豐盛的憐憫</a:t>
-            </a:r>
-            <a:endParaRPr lang="en-US" altLang="zh-TW" sz="5400" b="1" dirty="0">
-              <a:latin typeface="Microsoft JhengHei" panose="020B0604030504040204" pitchFamily="34" charset="-120"/>
-              <a:ea typeface="Microsoft JhengHei" panose="020B0604030504040204" pitchFamily="34" charset="-120"/>
-            </a:endParaRPr>
-          </a:p>
-          <a:p>
-            <a:pPr algn="ctr">
-              <a:buNone/>
-            </a:pPr>
-            <a:r>
-              <a:rPr lang="zh-TW" altLang="en-US" sz="5400" b="1" dirty="0">
+              <a:rPr lang="zh-TW" altLang="en-US" sz="6400" b="1" dirty="0">
+                <a:solidFill>
+                  <a:srgbClr val="000066"/>
+                </a:solidFill>
                 <a:latin typeface="Microsoft JhengHei" panose="020B0604030504040204" pitchFamily="34" charset="-120"/>
                 <a:ea typeface="Microsoft JhengHei" panose="020B0604030504040204" pitchFamily="34" charset="-120"/>
               </a:rPr>
               <a:t>天天事奉主必蒙福</a:t>
             </a:r>
-          </a:p>
-        </p:txBody>
-      </p:sp>
-      <p:sp>
-        <p:nvSpPr>
-          <p:cNvPr id="4" name="TextBox 3"/>
+            <a:endParaRPr lang="zh-TW" altLang="en-US" sz="6400" b="1" dirty="0">
+              <a:solidFill>
+                <a:srgbClr val="000066"/>
+              </a:solidFill>
+              <a:latin typeface="Microsoft JhengHei" panose="020B0604030504040204" pitchFamily="34" charset="-120"/>
+              <a:ea typeface="Microsoft JhengHei" panose="020B0604030504040204" pitchFamily="34" charset="-120"/>
+            </a:endParaRPr>
+          </a:p>
+        </p:txBody>
+      </p:sp>
+      <p:sp>
+        <p:nvSpPr>
+          <p:cNvPr id="3" name="TextBox 2"/>
           <p:cNvSpPr txBox="1"/>
           <p:nvPr/>
         </p:nvSpPr>
         <p:spPr>
           <a:xfrm>
-            <a:off x="609600" y="1600200"/>
-            <a:ext cx="864096" cy="1015663"/>
+            <a:off x="0" y="5061183"/>
+            <a:ext cx="12192000" cy="830997"/>
           </a:xfrm>
           <a:prstGeom prst="rect">
             <a:avLst/>
@@ -3555,23 +3557,42 @@
           </a:bodyPr>
           <a:lstStyle/>
           <a:p>
-            <a:r>
-              <a:rPr lang="en-US" sz="6000" b="1" dirty="0"/>
-              <a:t>2</a:t>
-            </a:r>
-            <a:r>
-              <a:rPr lang="en-US" sz="6000" b="1" dirty="0" smtClean="0"/>
-              <a:t>.</a:t>
-            </a:r>
-            <a:endParaRPr lang="vi-VN" sz="6000" b="1" dirty="0"/>
+            <a:pPr algn="ctr"/>
+            <a:r>
+              <a:rPr lang="en-US" sz="4800" b="1" dirty="0">
+                <a:solidFill>
+                  <a:srgbClr val="000066"/>
+                </a:solidFill>
+                <a:effectLst/>
+              </a:rPr>
+              <a:t>( 1 )</a:t>
+            </a:r>
+            <a:endParaRPr lang="vi-VN" sz="4800" b="1" dirty="0">
+              <a:solidFill>
+                <a:srgbClr val="000066"/>
+              </a:solidFill>
+              <a:effectLst/>
+            </a:endParaRPr>
           </a:p>
         </p:txBody>
       </p:sp>
     </p:spTree>
+    <p:extLst>
+      <p:ext uri="{BB962C8B-B14F-4D97-AF65-F5344CB8AC3E}">
+        <p14:creationId xmlns:p14="http://schemas.microsoft.com/office/powerpoint/2010/main" val="4107879984"/>
+      </p:ext>
+    </p:extLst>
   </p:cSld>
   <p:clrMapOvr>
     <a:masterClrMapping/>
   </p:clrMapOvr>
+  <p:timing>
+    <p:tnLst>
+      <p:par>
+        <p:cTn id="1" dur="indefinite" restart="never" nodeType="tmRoot"/>
+      </p:par>
+    </p:tnLst>
+  </p:timing>
 </p:sld>
 </file>
 
@@ -3594,64 +3615,43 @@
       </p:grpSpPr>
       <p:sp>
         <p:nvSpPr>
-          <p:cNvPr id="6" name="標題 5"/>
-          <p:cNvSpPr>
-            <a:spLocks noGrp="1"/>
-          </p:cNvSpPr>
-          <p:nvPr>
-            <p:ph type="title"/>
-          </p:nvPr>
-        </p:nvSpPr>
-        <p:spPr/>
-        <p:txBody>
-          <a:bodyPr>
+          <p:cNvPr id="5" name="內容版面配置區 4"/>
+          <p:cNvSpPr>
+            <a:spLocks noGrp="1"/>
+          </p:cNvSpPr>
+          <p:nvPr>
+            <p:ph idx="1"/>
+          </p:nvPr>
+        </p:nvSpPr>
+        <p:spPr>
+          <a:xfrm>
+            <a:off x="0" y="2084853"/>
+            <a:ext cx="12192000" cy="2404863"/>
+          </a:xfrm>
+        </p:spPr>
+        <p:txBody>
+          <a:bodyPr anchor="ctr">
             <a:normAutofit/>
           </a:bodyPr>
           <a:lstStyle/>
           <a:p>
-            <a:r>
-              <a:rPr lang="zh-TW" altLang="en-US" sz="4800" b="1" dirty="0">
+            <a:pPr algn="ctr">
+              <a:buNone/>
+            </a:pPr>
+            <a:r>
+              <a:rPr lang="zh-TW" altLang="en-US" sz="6400" b="1" dirty="0">
+                <a:solidFill>
+                  <a:srgbClr val="000066"/>
+                </a:solidFill>
                 <a:latin typeface="Microsoft JhengHei" panose="020B0604030504040204" pitchFamily="34" charset="-120"/>
                 <a:ea typeface="Microsoft JhengHei" panose="020B0604030504040204" pitchFamily="34" charset="-120"/>
               </a:rPr>
-              <a:t>事奉耶穌蒙福</a:t>
-            </a:r>
-          </a:p>
-        </p:txBody>
-      </p:sp>
-      <p:sp>
-        <p:nvSpPr>
-          <p:cNvPr id="7" name="內容版面配置區 6"/>
-          <p:cNvSpPr>
-            <a:spLocks noGrp="1"/>
-          </p:cNvSpPr>
-          <p:nvPr>
-            <p:ph idx="1"/>
-          </p:nvPr>
-        </p:nvSpPr>
-        <p:spPr>
-          <a:xfrm>
-            <a:off x="1524000" y="1600200"/>
-            <a:ext cx="9144000" cy="5257800"/>
-          </a:xfrm>
-        </p:spPr>
-        <p:txBody>
-          <a:bodyPr>
-            <a:normAutofit/>
-          </a:bodyPr>
-          <a:lstStyle/>
-          <a:p>
-            <a:pPr algn="ctr">
-              <a:buNone/>
-            </a:pPr>
-            <a:r>
-              <a:rPr lang="zh-TW" altLang="en-US" sz="5400" b="1" dirty="0">
-                <a:latin typeface="Microsoft JhengHei" panose="020B0604030504040204" pitchFamily="34" charset="-120"/>
-                <a:ea typeface="Microsoft JhengHei" panose="020B0604030504040204" pitchFamily="34" charset="-120"/>
-              </a:rPr>
-              <a:t>事奉耶穌蒙福每日都蒙福</a:t>
-            </a:r>
-            <a:endParaRPr lang="en-US" altLang="zh-TW" sz="5400" b="1" dirty="0">
+              <a:t>事奉耶穌蒙福   每日都蒙福</a:t>
+            </a:r>
+            <a:endParaRPr lang="en-US" altLang="zh-TW" sz="6400" b="1" dirty="0">
+              <a:solidFill>
+                <a:srgbClr val="000066"/>
+              </a:solidFill>
               <a:latin typeface="Microsoft JhengHei" panose="020B0604030504040204" pitchFamily="34" charset="-120"/>
               <a:ea typeface="Microsoft JhengHei" panose="020B0604030504040204" pitchFamily="34" charset="-120"/>
             </a:endParaRPr>
@@ -3661,29 +3661,101 @@
               <a:buNone/>
             </a:pPr>
             <a:r>
-              <a:rPr lang="zh-TW" altLang="en-US" sz="5400" b="1" dirty="0">
+              <a:rPr lang="zh-TW" altLang="en-US" sz="6400" b="1" dirty="0">
+                <a:solidFill>
+                  <a:srgbClr val="000066"/>
+                </a:solidFill>
                 <a:latin typeface="Microsoft JhengHei" panose="020B0604030504040204" pitchFamily="34" charset="-120"/>
                 <a:ea typeface="Microsoft JhengHei" panose="020B0604030504040204" pitchFamily="34" charset="-120"/>
               </a:rPr>
               <a:t>在世每一步都蒙福</a:t>
             </a:r>
-            <a:endParaRPr lang="en-US" altLang="zh-TW" sz="5400" b="1" dirty="0">
+            <a:endParaRPr lang="en-US" altLang="zh-TW" sz="6400" b="1" dirty="0">
+              <a:solidFill>
+                <a:srgbClr val="000066"/>
+              </a:solidFill>
               <a:latin typeface="Microsoft JhengHei" panose="020B0604030504040204" pitchFamily="34" charset="-120"/>
               <a:ea typeface="Microsoft JhengHei" panose="020B0604030504040204" pitchFamily="34" charset="-120"/>
             </a:endParaRPr>
           </a:p>
+        </p:txBody>
+      </p:sp>
+    </p:spTree>
+    <p:extLst>
+      <p:ext uri="{BB962C8B-B14F-4D97-AF65-F5344CB8AC3E}">
+        <p14:creationId xmlns:p14="http://schemas.microsoft.com/office/powerpoint/2010/main" val="1654274215"/>
+      </p:ext>
+    </p:extLst>
+  </p:cSld>
+  <p:clrMapOvr>
+    <a:masterClrMapping/>
+  </p:clrMapOvr>
+  <p:timing>
+    <p:tnLst>
+      <p:par>
+        <p:cTn id="1" dur="indefinite" restart="never" nodeType="tmRoot"/>
+      </p:par>
+    </p:tnLst>
+  </p:timing>
+</p:sld>
+</file>
+
+<file path=ppt/slides/slide5.xml><?xml version="1.0" encoding="utf-8"?>
+<p:sld xmlns:a="http://schemas.openxmlformats.org/drawingml/2006/main" xmlns:r="http://schemas.openxmlformats.org/officeDocument/2006/relationships" xmlns:p="http://schemas.openxmlformats.org/presentationml/2006/main">
+  <p:cSld>
+    <p:spTree>
+      <p:nvGrpSpPr>
+        <p:cNvPr id="1" name=""/>
+        <p:cNvGrpSpPr/>
+        <p:nvPr/>
+      </p:nvGrpSpPr>
+      <p:grpSpPr>
+        <a:xfrm>
+          <a:off x="0" y="0"/>
+          <a:ext cx="0" cy="0"/>
+          <a:chOff x="0" y="0"/>
+          <a:chExt cx="0" cy="0"/>
+        </a:xfrm>
+      </p:grpSpPr>
+      <p:sp>
+        <p:nvSpPr>
+          <p:cNvPr id="5" name="內容版面配置區 4"/>
+          <p:cNvSpPr>
+            <a:spLocks noGrp="1"/>
+          </p:cNvSpPr>
+          <p:nvPr>
+            <p:ph idx="1"/>
+          </p:nvPr>
+        </p:nvSpPr>
+        <p:spPr>
+          <a:xfrm>
+            <a:off x="0" y="2084853"/>
+            <a:ext cx="12192000" cy="2404863"/>
+          </a:xfrm>
+        </p:spPr>
+        <p:txBody>
+          <a:bodyPr anchor="ctr">
+            <a:normAutofit/>
+          </a:bodyPr>
+          <a:lstStyle/>
           <a:p>
             <a:pPr algn="ctr">
               <a:buNone/>
             </a:pPr>
             <a:r>
-              <a:rPr lang="zh-TW" altLang="en-US" sz="5400" b="1" dirty="0">
+              <a:rPr lang="zh-TW" altLang="en-US" sz="6400" b="1" dirty="0">
+                <a:solidFill>
+                  <a:srgbClr val="000066"/>
+                </a:solidFill>
                 <a:latin typeface="Microsoft JhengHei" panose="020B0604030504040204" pitchFamily="34" charset="-120"/>
                 <a:ea typeface="Microsoft JhengHei" panose="020B0604030504040204" pitchFamily="34" charset="-120"/>
               </a:rPr>
               <a:t>有時走天堂窄路或會有淒楚</a:t>
             </a:r>
-            <a:endParaRPr lang="en-US" altLang="zh-TW" sz="5400" b="1" dirty="0">
+            <a:endParaRPr lang="en-US" altLang="zh-TW" sz="6400" b="1" dirty="0">
+              <a:solidFill>
+                <a:srgbClr val="000066"/>
+              </a:solidFill>
               <a:latin typeface="Microsoft JhengHei" panose="020B0604030504040204" pitchFamily="34" charset="-120"/>
               <a:ea typeface="Microsoft JhengHei" panose="020B0604030504040204" pitchFamily="34" charset="-120"/>
             </a:endParaRPr>
@@ -3693,20 +3765,576 @@
               <a:buNone/>
             </a:pPr>
             <a:r>
-              <a:rPr lang="zh-TW" altLang="en-US" sz="5400" b="1" dirty="0">
+              <a:rPr lang="zh-TW" altLang="en-US" sz="6400" b="1" dirty="0">
+                <a:solidFill>
+                  <a:srgbClr val="000066"/>
+                </a:solidFill>
                 <a:latin typeface="Microsoft JhengHei" panose="020B0604030504040204" pitchFamily="34" charset="-120"/>
                 <a:ea typeface="Microsoft JhengHei" panose="020B0604030504040204" pitchFamily="34" charset="-120"/>
               </a:rPr>
               <a:t>你在主裡一路必蒙福</a:t>
             </a:r>
+            <a:endParaRPr lang="zh-TW" altLang="en-US" sz="6400" b="1" dirty="0">
+              <a:solidFill>
+                <a:srgbClr val="000066"/>
+              </a:solidFill>
+              <a:latin typeface="Microsoft JhengHei" panose="020B0604030504040204" pitchFamily="34" charset="-120"/>
+              <a:ea typeface="Microsoft JhengHei" panose="020B0604030504040204" pitchFamily="34" charset="-120"/>
+            </a:endParaRPr>
           </a:p>
         </p:txBody>
       </p:sp>
     </p:spTree>
+    <p:extLst>
+      <p:ext uri="{BB962C8B-B14F-4D97-AF65-F5344CB8AC3E}">
+        <p14:creationId xmlns:p14="http://schemas.microsoft.com/office/powerpoint/2010/main" val="1947747319"/>
+      </p:ext>
+    </p:extLst>
   </p:cSld>
   <p:clrMapOvr>
     <a:masterClrMapping/>
   </p:clrMapOvr>
+  <p:timing>
+    <p:tnLst>
+      <p:par>
+        <p:cTn id="1" dur="indefinite" restart="never" nodeType="tmRoot"/>
+      </p:par>
+    </p:tnLst>
+  </p:timing>
+</p:sld>
+</file>
+
+<file path=ppt/slides/slide6.xml><?xml version="1.0" encoding="utf-8"?>
+<p:sld xmlns:a="http://schemas.openxmlformats.org/drawingml/2006/main" xmlns:r="http://schemas.openxmlformats.org/officeDocument/2006/relationships" xmlns:p="http://schemas.openxmlformats.org/presentationml/2006/main">
+  <p:cSld>
+    <p:spTree>
+      <p:nvGrpSpPr>
+        <p:cNvPr id="1" name=""/>
+        <p:cNvGrpSpPr/>
+        <p:nvPr/>
+      </p:nvGrpSpPr>
+      <p:grpSpPr>
+        <a:xfrm>
+          <a:off x="0" y="0"/>
+          <a:ext cx="0" cy="0"/>
+          <a:chOff x="0" y="0"/>
+          <a:chExt cx="0" cy="0"/>
+        </a:xfrm>
+      </p:grpSpPr>
+      <p:sp>
+        <p:nvSpPr>
+          <p:cNvPr id="5" name="內容版面配置區 4"/>
+          <p:cNvSpPr>
+            <a:spLocks noGrp="1"/>
+          </p:cNvSpPr>
+          <p:nvPr>
+            <p:ph idx="1"/>
+          </p:nvPr>
+        </p:nvSpPr>
+        <p:spPr>
+          <a:xfrm>
+            <a:off x="0" y="2084853"/>
+            <a:ext cx="12192000" cy="2404863"/>
+          </a:xfrm>
+        </p:spPr>
+        <p:txBody>
+          <a:bodyPr anchor="ctr">
+            <a:normAutofit/>
+          </a:bodyPr>
+          <a:lstStyle/>
+          <a:p>
+            <a:pPr algn="ctr">
+              <a:buNone/>
+            </a:pPr>
+            <a:r>
+              <a:rPr lang="zh-TW" altLang="en-US" sz="6400" b="1" dirty="0">
+                <a:solidFill>
+                  <a:srgbClr val="000066"/>
+                </a:solidFill>
+                <a:latin typeface="Microsoft JhengHei" panose="020B0604030504040204" pitchFamily="34" charset="-120"/>
+                <a:ea typeface="Microsoft JhengHei" panose="020B0604030504040204" pitchFamily="34" charset="-120"/>
+              </a:rPr>
+              <a:t>無論遇何事服事主總蒙福</a:t>
+            </a:r>
+            <a:endParaRPr lang="en-US" altLang="zh-TW" sz="6400" b="1" dirty="0">
+              <a:solidFill>
+                <a:srgbClr val="000066"/>
+              </a:solidFill>
+              <a:latin typeface="Microsoft JhengHei" panose="020B0604030504040204" pitchFamily="34" charset="-120"/>
+              <a:ea typeface="Microsoft JhengHei" panose="020B0604030504040204" pitchFamily="34" charset="-120"/>
+            </a:endParaRPr>
+          </a:p>
+          <a:p>
+            <a:pPr algn="ctr">
+              <a:buNone/>
+            </a:pPr>
+            <a:r>
+              <a:rPr lang="zh-TW" altLang="en-US" sz="6400" b="1" dirty="0">
+                <a:solidFill>
+                  <a:srgbClr val="000066"/>
+                </a:solidFill>
+                <a:latin typeface="Microsoft JhengHei" panose="020B0604030504040204" pitchFamily="34" charset="-120"/>
+                <a:ea typeface="Microsoft JhengHei" panose="020B0604030504040204" pitchFamily="34" charset="-120"/>
+              </a:rPr>
+              <a:t>無論作何事忠心便蒙福</a:t>
+            </a:r>
+            <a:endParaRPr lang="en-US" altLang="zh-TW" sz="6400" b="1" dirty="0">
+              <a:solidFill>
+                <a:srgbClr val="000066"/>
+              </a:solidFill>
+              <a:latin typeface="Microsoft JhengHei" panose="020B0604030504040204" pitchFamily="34" charset="-120"/>
+              <a:ea typeface="Microsoft JhengHei" panose="020B0604030504040204" pitchFamily="34" charset="-120"/>
+            </a:endParaRPr>
+          </a:p>
+        </p:txBody>
+      </p:sp>
+      <p:sp>
+        <p:nvSpPr>
+          <p:cNvPr id="3" name="TextBox 2"/>
+          <p:cNvSpPr txBox="1"/>
+          <p:nvPr/>
+        </p:nvSpPr>
+        <p:spPr>
+          <a:xfrm>
+            <a:off x="0" y="5061183"/>
+            <a:ext cx="12192000" cy="830997"/>
+          </a:xfrm>
+          <a:prstGeom prst="rect">
+            <a:avLst/>
+          </a:prstGeom>
+          <a:noFill/>
+        </p:spPr>
+        <p:txBody>
+          <a:bodyPr wrap="square" rtlCol="0">
+            <a:spAutoFit/>
+          </a:bodyPr>
+          <a:lstStyle/>
+          <a:p>
+            <a:pPr algn="ctr"/>
+            <a:r>
+              <a:rPr lang="en-US" sz="4800" b="1" dirty="0">
+                <a:solidFill>
+                  <a:srgbClr val="000066"/>
+                </a:solidFill>
+                <a:effectLst/>
+              </a:rPr>
+              <a:t>( </a:t>
+            </a:r>
+            <a:r>
+              <a:rPr lang="en-US" sz="4800" b="1" dirty="0">
+                <a:solidFill>
+                  <a:srgbClr val="000066"/>
+                </a:solidFill>
+                <a:effectLst/>
+              </a:rPr>
+              <a:t>2 </a:t>
+            </a:r>
+            <a:r>
+              <a:rPr lang="en-US" sz="4800" b="1" dirty="0">
+                <a:solidFill>
+                  <a:srgbClr val="000066"/>
+                </a:solidFill>
+                <a:effectLst/>
+              </a:rPr>
+              <a:t>)</a:t>
+            </a:r>
+            <a:endParaRPr lang="vi-VN" sz="4800" b="1" dirty="0">
+              <a:solidFill>
+                <a:srgbClr val="000066"/>
+              </a:solidFill>
+              <a:effectLst/>
+            </a:endParaRPr>
+          </a:p>
+        </p:txBody>
+      </p:sp>
+    </p:spTree>
+    <p:extLst>
+      <p:ext uri="{BB962C8B-B14F-4D97-AF65-F5344CB8AC3E}">
+        <p14:creationId xmlns:p14="http://schemas.microsoft.com/office/powerpoint/2010/main" val="1103849934"/>
+      </p:ext>
+    </p:extLst>
+  </p:cSld>
+  <p:clrMapOvr>
+    <a:masterClrMapping/>
+  </p:clrMapOvr>
+  <p:timing>
+    <p:tnLst>
+      <p:par>
+        <p:cTn id="1" dur="indefinite" restart="never" nodeType="tmRoot"/>
+      </p:par>
+    </p:tnLst>
+  </p:timing>
+</p:sld>
+</file>
+
+<file path=ppt/slides/slide7.xml><?xml version="1.0" encoding="utf-8"?>
+<p:sld xmlns:a="http://schemas.openxmlformats.org/drawingml/2006/main" xmlns:r="http://schemas.openxmlformats.org/officeDocument/2006/relationships" xmlns:p="http://schemas.openxmlformats.org/presentationml/2006/main">
+  <p:cSld>
+    <p:spTree>
+      <p:nvGrpSpPr>
+        <p:cNvPr id="1" name=""/>
+        <p:cNvGrpSpPr/>
+        <p:nvPr/>
+      </p:nvGrpSpPr>
+      <p:grpSpPr>
+        <a:xfrm>
+          <a:off x="0" y="0"/>
+          <a:ext cx="0" cy="0"/>
+          <a:chOff x="0" y="0"/>
+          <a:chExt cx="0" cy="0"/>
+        </a:xfrm>
+      </p:grpSpPr>
+      <p:sp>
+        <p:nvSpPr>
+          <p:cNvPr id="5" name="內容版面配置區 4"/>
+          <p:cNvSpPr>
+            <a:spLocks noGrp="1"/>
+          </p:cNvSpPr>
+          <p:nvPr>
+            <p:ph idx="1"/>
+          </p:nvPr>
+        </p:nvSpPr>
+        <p:spPr>
+          <a:xfrm>
+            <a:off x="0" y="2084853"/>
+            <a:ext cx="12192000" cy="2404863"/>
+          </a:xfrm>
+        </p:spPr>
+        <p:txBody>
+          <a:bodyPr anchor="ctr">
+            <a:normAutofit/>
+          </a:bodyPr>
+          <a:lstStyle/>
+          <a:p>
+            <a:pPr algn="ctr">
+              <a:buNone/>
+            </a:pPr>
+            <a:r>
+              <a:rPr lang="zh-TW" altLang="en-US" sz="6400" b="1" dirty="0">
+                <a:solidFill>
+                  <a:srgbClr val="000066"/>
+                </a:solidFill>
+                <a:latin typeface="Microsoft JhengHei" panose="020B0604030504040204" pitchFamily="34" charset="-120"/>
+                <a:ea typeface="Microsoft JhengHei" panose="020B0604030504040204" pitchFamily="34" charset="-120"/>
+              </a:rPr>
+              <a:t>住在主裡就有豐盛的憐憫</a:t>
+            </a:r>
+            <a:endParaRPr lang="en-US" altLang="zh-TW" sz="6400" b="1" dirty="0">
+              <a:solidFill>
+                <a:srgbClr val="000066"/>
+              </a:solidFill>
+              <a:latin typeface="Microsoft JhengHei" panose="020B0604030504040204" pitchFamily="34" charset="-120"/>
+              <a:ea typeface="Microsoft JhengHei" panose="020B0604030504040204" pitchFamily="34" charset="-120"/>
+            </a:endParaRPr>
+          </a:p>
+          <a:p>
+            <a:pPr algn="ctr">
+              <a:buNone/>
+            </a:pPr>
+            <a:r>
+              <a:rPr lang="zh-TW" altLang="en-US" sz="6400" b="1" dirty="0">
+                <a:solidFill>
+                  <a:srgbClr val="000066"/>
+                </a:solidFill>
+                <a:latin typeface="Microsoft JhengHei" panose="020B0604030504040204" pitchFamily="34" charset="-120"/>
+                <a:ea typeface="Microsoft JhengHei" panose="020B0604030504040204" pitchFamily="34" charset="-120"/>
+              </a:rPr>
+              <a:t>天天事奉主必蒙福</a:t>
+            </a:r>
+            <a:endParaRPr lang="zh-TW" altLang="en-US" sz="6400" b="1" dirty="0">
+              <a:solidFill>
+                <a:srgbClr val="000066"/>
+              </a:solidFill>
+              <a:latin typeface="Microsoft JhengHei" panose="020B0604030504040204" pitchFamily="34" charset="-120"/>
+              <a:ea typeface="Microsoft JhengHei" panose="020B0604030504040204" pitchFamily="34" charset="-120"/>
+            </a:endParaRPr>
+          </a:p>
+        </p:txBody>
+      </p:sp>
+      <p:sp>
+        <p:nvSpPr>
+          <p:cNvPr id="3" name="TextBox 2"/>
+          <p:cNvSpPr txBox="1"/>
+          <p:nvPr/>
+        </p:nvSpPr>
+        <p:spPr>
+          <a:xfrm>
+            <a:off x="0" y="5061183"/>
+            <a:ext cx="12192000" cy="830997"/>
+          </a:xfrm>
+          <a:prstGeom prst="rect">
+            <a:avLst/>
+          </a:prstGeom>
+          <a:noFill/>
+        </p:spPr>
+        <p:txBody>
+          <a:bodyPr wrap="square" rtlCol="0">
+            <a:spAutoFit/>
+          </a:bodyPr>
+          <a:lstStyle/>
+          <a:p>
+            <a:pPr algn="ctr"/>
+            <a:r>
+              <a:rPr lang="en-US" sz="4800" b="1" dirty="0">
+                <a:solidFill>
+                  <a:srgbClr val="000066"/>
+                </a:solidFill>
+                <a:effectLst/>
+              </a:rPr>
+              <a:t>( </a:t>
+            </a:r>
+            <a:r>
+              <a:rPr lang="en-US" sz="4800" b="1" dirty="0">
+                <a:solidFill>
+                  <a:srgbClr val="000066"/>
+                </a:solidFill>
+                <a:effectLst/>
+              </a:rPr>
+              <a:t>2 </a:t>
+            </a:r>
+            <a:r>
+              <a:rPr lang="en-US" sz="4800" b="1" dirty="0">
+                <a:solidFill>
+                  <a:srgbClr val="000066"/>
+                </a:solidFill>
+                <a:effectLst/>
+              </a:rPr>
+              <a:t>)</a:t>
+            </a:r>
+            <a:endParaRPr lang="vi-VN" sz="4800" b="1" dirty="0">
+              <a:solidFill>
+                <a:srgbClr val="000066"/>
+              </a:solidFill>
+              <a:effectLst/>
+            </a:endParaRPr>
+          </a:p>
+        </p:txBody>
+      </p:sp>
+    </p:spTree>
+    <p:extLst>
+      <p:ext uri="{BB962C8B-B14F-4D97-AF65-F5344CB8AC3E}">
+        <p14:creationId xmlns:p14="http://schemas.microsoft.com/office/powerpoint/2010/main" val="2994619498"/>
+      </p:ext>
+    </p:extLst>
+  </p:cSld>
+  <p:clrMapOvr>
+    <a:masterClrMapping/>
+  </p:clrMapOvr>
+  <p:timing>
+    <p:tnLst>
+      <p:par>
+        <p:cTn id="1" dur="indefinite" restart="never" nodeType="tmRoot"/>
+      </p:par>
+    </p:tnLst>
+  </p:timing>
+</p:sld>
+</file>
+
+<file path=ppt/slides/slide8.xml><?xml version="1.0" encoding="utf-8"?>
+<p:sld xmlns:a="http://schemas.openxmlformats.org/drawingml/2006/main" xmlns:r="http://schemas.openxmlformats.org/officeDocument/2006/relationships" xmlns:p="http://schemas.openxmlformats.org/presentationml/2006/main">
+  <p:cSld>
+    <p:spTree>
+      <p:nvGrpSpPr>
+        <p:cNvPr id="1" name=""/>
+        <p:cNvGrpSpPr/>
+        <p:nvPr/>
+      </p:nvGrpSpPr>
+      <p:grpSpPr>
+        <a:xfrm>
+          <a:off x="0" y="0"/>
+          <a:ext cx="0" cy="0"/>
+          <a:chOff x="0" y="0"/>
+          <a:chExt cx="0" cy="0"/>
+        </a:xfrm>
+      </p:grpSpPr>
+      <p:sp>
+        <p:nvSpPr>
+          <p:cNvPr id="5" name="內容版面配置區 4"/>
+          <p:cNvSpPr>
+            <a:spLocks noGrp="1"/>
+          </p:cNvSpPr>
+          <p:nvPr>
+            <p:ph idx="1"/>
+          </p:nvPr>
+        </p:nvSpPr>
+        <p:spPr>
+          <a:xfrm>
+            <a:off x="0" y="2084853"/>
+            <a:ext cx="12192000" cy="2404863"/>
+          </a:xfrm>
+        </p:spPr>
+        <p:txBody>
+          <a:bodyPr anchor="ctr">
+            <a:normAutofit/>
+          </a:bodyPr>
+          <a:lstStyle/>
+          <a:p>
+            <a:pPr algn="ctr">
+              <a:buNone/>
+            </a:pPr>
+            <a:r>
+              <a:rPr lang="zh-TW" altLang="en-US" sz="6400" b="1" dirty="0">
+                <a:solidFill>
+                  <a:srgbClr val="000066"/>
+                </a:solidFill>
+                <a:latin typeface="Microsoft JhengHei" panose="020B0604030504040204" pitchFamily="34" charset="-120"/>
+                <a:ea typeface="Microsoft JhengHei" panose="020B0604030504040204" pitchFamily="34" charset="-120"/>
+              </a:rPr>
+              <a:t>事奉耶穌蒙福   每日都蒙福</a:t>
+            </a:r>
+            <a:endParaRPr lang="en-US" altLang="zh-TW" sz="6400" b="1" dirty="0">
+              <a:solidFill>
+                <a:srgbClr val="000066"/>
+              </a:solidFill>
+              <a:latin typeface="Microsoft JhengHei" panose="020B0604030504040204" pitchFamily="34" charset="-120"/>
+              <a:ea typeface="Microsoft JhengHei" panose="020B0604030504040204" pitchFamily="34" charset="-120"/>
+            </a:endParaRPr>
+          </a:p>
+          <a:p>
+            <a:pPr algn="ctr">
+              <a:buNone/>
+            </a:pPr>
+            <a:r>
+              <a:rPr lang="zh-TW" altLang="en-US" sz="6400" b="1" dirty="0">
+                <a:solidFill>
+                  <a:srgbClr val="000066"/>
+                </a:solidFill>
+                <a:latin typeface="Microsoft JhengHei" panose="020B0604030504040204" pitchFamily="34" charset="-120"/>
+                <a:ea typeface="Microsoft JhengHei" panose="020B0604030504040204" pitchFamily="34" charset="-120"/>
+              </a:rPr>
+              <a:t>在世每一步都蒙福</a:t>
+            </a:r>
+            <a:endParaRPr lang="en-US" altLang="zh-TW" sz="6400" b="1" dirty="0">
+              <a:solidFill>
+                <a:srgbClr val="000066"/>
+              </a:solidFill>
+              <a:latin typeface="Microsoft JhengHei" panose="020B0604030504040204" pitchFamily="34" charset="-120"/>
+              <a:ea typeface="Microsoft JhengHei" panose="020B0604030504040204" pitchFamily="34" charset="-120"/>
+            </a:endParaRPr>
+          </a:p>
+        </p:txBody>
+      </p:sp>
+    </p:spTree>
+    <p:extLst>
+      <p:ext uri="{BB962C8B-B14F-4D97-AF65-F5344CB8AC3E}">
+        <p14:creationId xmlns:p14="http://schemas.microsoft.com/office/powerpoint/2010/main" val="4116613279"/>
+      </p:ext>
+    </p:extLst>
+  </p:cSld>
+  <p:clrMapOvr>
+    <a:masterClrMapping/>
+  </p:clrMapOvr>
+  <p:timing>
+    <p:tnLst>
+      <p:par>
+        <p:cTn id="1" dur="indefinite" restart="never" nodeType="tmRoot"/>
+      </p:par>
+    </p:tnLst>
+  </p:timing>
+</p:sld>
+</file>
+
+<file path=ppt/slides/slide9.xml><?xml version="1.0" encoding="utf-8"?>
+<p:sld xmlns:a="http://schemas.openxmlformats.org/drawingml/2006/main" xmlns:r="http://schemas.openxmlformats.org/officeDocument/2006/relationships" xmlns:p="http://schemas.openxmlformats.org/presentationml/2006/main">
+  <p:cSld>
+    <p:spTree>
+      <p:nvGrpSpPr>
+        <p:cNvPr id="1" name=""/>
+        <p:cNvGrpSpPr/>
+        <p:nvPr/>
+      </p:nvGrpSpPr>
+      <p:grpSpPr>
+        <a:xfrm>
+          <a:off x="0" y="0"/>
+          <a:ext cx="0" cy="0"/>
+          <a:chOff x="0" y="0"/>
+          <a:chExt cx="0" cy="0"/>
+        </a:xfrm>
+      </p:grpSpPr>
+      <p:sp>
+        <p:nvSpPr>
+          <p:cNvPr id="5" name="內容版面配置區 4"/>
+          <p:cNvSpPr>
+            <a:spLocks noGrp="1"/>
+          </p:cNvSpPr>
+          <p:nvPr>
+            <p:ph idx="1"/>
+          </p:nvPr>
+        </p:nvSpPr>
+        <p:spPr>
+          <a:xfrm>
+            <a:off x="0" y="2084853"/>
+            <a:ext cx="12192000" cy="2404863"/>
+          </a:xfrm>
+        </p:spPr>
+        <p:txBody>
+          <a:bodyPr anchor="ctr">
+            <a:normAutofit/>
+          </a:bodyPr>
+          <a:lstStyle/>
+          <a:p>
+            <a:pPr algn="ctr">
+              <a:buNone/>
+            </a:pPr>
+            <a:r>
+              <a:rPr lang="zh-TW" altLang="en-US" sz="6400" b="1" dirty="0">
+                <a:solidFill>
+                  <a:srgbClr val="000066"/>
+                </a:solidFill>
+                <a:latin typeface="Microsoft JhengHei" panose="020B0604030504040204" pitchFamily="34" charset="-120"/>
+                <a:ea typeface="Microsoft JhengHei" panose="020B0604030504040204" pitchFamily="34" charset="-120"/>
+              </a:rPr>
+              <a:t>有時走天堂窄路或會有淒楚</a:t>
+            </a:r>
+            <a:endParaRPr lang="en-US" altLang="zh-TW" sz="6400" b="1" dirty="0">
+              <a:solidFill>
+                <a:srgbClr val="000066"/>
+              </a:solidFill>
+              <a:latin typeface="Microsoft JhengHei" panose="020B0604030504040204" pitchFamily="34" charset="-120"/>
+              <a:ea typeface="Microsoft JhengHei" panose="020B0604030504040204" pitchFamily="34" charset="-120"/>
+            </a:endParaRPr>
+          </a:p>
+          <a:p>
+            <a:pPr algn="ctr">
+              <a:buNone/>
+            </a:pPr>
+            <a:r>
+              <a:rPr lang="zh-TW" altLang="en-US" sz="6400" b="1" dirty="0">
+                <a:solidFill>
+                  <a:srgbClr val="000066"/>
+                </a:solidFill>
+                <a:latin typeface="Microsoft JhengHei" panose="020B0604030504040204" pitchFamily="34" charset="-120"/>
+                <a:ea typeface="Microsoft JhengHei" panose="020B0604030504040204" pitchFamily="34" charset="-120"/>
+              </a:rPr>
+              <a:t>你在主裡一路必蒙福</a:t>
+            </a:r>
+            <a:endParaRPr lang="zh-TW" altLang="en-US" sz="6400" b="1" dirty="0">
+              <a:solidFill>
+                <a:srgbClr val="000066"/>
+              </a:solidFill>
+              <a:latin typeface="Microsoft JhengHei" panose="020B0604030504040204" pitchFamily="34" charset="-120"/>
+              <a:ea typeface="Microsoft JhengHei" panose="020B0604030504040204" pitchFamily="34" charset="-120"/>
+            </a:endParaRPr>
+          </a:p>
+        </p:txBody>
+      </p:sp>
+    </p:spTree>
+    <p:extLst>
+      <p:ext uri="{BB962C8B-B14F-4D97-AF65-F5344CB8AC3E}">
+        <p14:creationId xmlns:p14="http://schemas.microsoft.com/office/powerpoint/2010/main" val="3903764184"/>
+      </p:ext>
+    </p:extLst>
+  </p:cSld>
+  <p:clrMapOvr>
+    <a:masterClrMapping/>
+  </p:clrMapOvr>
+  <p:timing>
+    <p:tnLst>
+      <p:par>
+        <p:cTn id="1" dur="indefinite" restart="never" nodeType="tmRoot"/>
+      </p:par>
+    </p:tnLst>
+  </p:timing>
 </p:sld>
 </file>
 
